--- a/1_Basic_ML/Pertemuan_2_Python_ML/OPEN BO ML - Dasar Part 2.pptx
+++ b/1_Basic_ML/Pertemuan_2_Python_ML/OPEN BO ML - Dasar Part 2.pptx
@@ -11140,6 +11140,55 @@
           </a:prstGeom>
         </p:spPr>
       </p:pic>
+      <p:sp>
+        <p:nvSpPr>
+          <p:cNvPr id="6" name="Rounded Rectangle 5"/>
+          <p:cNvSpPr/>
+          <p:nvPr/>
+        </p:nvSpPr>
+        <p:spPr>
+          <a:xfrm rot="20580000">
+            <a:off x="2322830" y="1037590"/>
+            <a:ext cx="4676775" cy="1207770"/>
+          </a:xfrm>
+          <a:prstGeom prst="roundRect">
+            <a:avLst/>
+          </a:prstGeom>
+          <a:solidFill>
+            <a:srgbClr val="FF0000"/>
+          </a:solidFill>
+          <a:ln>
+            <a:noFill/>
+          </a:ln>
+        </p:spPr>
+        <p:style>
+          <a:lnRef idx="2">
+            <a:schemeClr val="accent1">
+              <a:shade val="50000"/>
+            </a:schemeClr>
+          </a:lnRef>
+          <a:fillRef idx="1">
+            <a:schemeClr val="accent1"/>
+          </a:fillRef>
+          <a:effectRef idx="0">
+            <a:schemeClr val="accent1"/>
+          </a:effectRef>
+          <a:fontRef idx="minor">
+            <a:schemeClr val="lt1"/>
+          </a:fontRef>
+        </p:style>
+        <p:txBody>
+          <a:bodyPr rtlCol="0" anchor="ctr"/>
+          <a:p>
+            <a:pPr algn="ctr"/>
+            <a:r>
+              <a:rPr lang="en-US" sz="5400" b="1"/>
+              <a:t>BATCH 2</a:t>
+            </a:r>
+            <a:endParaRPr lang="en-US" sz="5400" b="1"/>
+          </a:p>
+        </p:txBody>
+      </p:sp>
     </p:spTree>
     <p:custDataLst>
       <p:tags r:id="rId12"/>
